--- a/plan/영화-게시판.pptx
+++ b/plan/영화-게시판.pptx
@@ -25,21 +25,21 @@
   <p:notesSz cx="6858000" cy="9144000"/>
   <p:embeddedFontLst>
     <p:embeddedFont>
-      <p:font typeface="맑은 고딕" panose="020B0503020000020004" pitchFamily="50" charset="-127"/>
+      <p:font typeface="나눔바른펜" panose="020B0503000000000000" pitchFamily="50" charset="-127"/>
       <p:regular r:id="rId15"/>
       <p:bold r:id="rId16"/>
     </p:embeddedFont>
     <p:embeddedFont>
-      <p:font typeface="나눔바른펜" panose="020B0503000000000000" pitchFamily="50" charset="-127"/>
+      <p:font typeface="Segoe UI" panose="020B0502040204020203" pitchFamily="34" charset="0"/>
       <p:regular r:id="rId17"/>
       <p:bold r:id="rId18"/>
+      <p:italic r:id="rId19"/>
+      <p:boldItalic r:id="rId20"/>
     </p:embeddedFont>
     <p:embeddedFont>
-      <p:font typeface="Segoe UI" panose="020B0502040204020203" pitchFamily="34" charset="0"/>
-      <p:regular r:id="rId19"/>
-      <p:bold r:id="rId20"/>
-      <p:italic r:id="rId21"/>
-      <p:boldItalic r:id="rId22"/>
+      <p:font typeface="맑은 고딕" panose="020B0503020000020004" pitchFamily="50" charset="-127"/>
+      <p:regular r:id="rId21"/>
+      <p:bold r:id="rId22"/>
     </p:embeddedFont>
   </p:embeddedFontLst>
   <p:defaultTextStyle>
@@ -5151,7 +5151,7 @@
           <a:p>
             <a:fld id="{60562B05-B6AA-449C-AF09-8F0DE1CB85A3}" type="datetimeFigureOut">
               <a:rPr lang="ko-KR" altLang="en-US" smtClean="0"/>
-              <a:t>2019-01-09</a:t>
+              <a:t>2019-01-22</a:t>
             </a:fld>
             <a:endParaRPr lang="ko-KR" altLang="en-US"/>
           </a:p>
@@ -5600,7 +5600,7 @@
           <a:p>
             <a:fld id="{47470330-DF45-4F6A-83A7-D6D3DB6D72A2}" type="datetimeFigureOut">
               <a:rPr lang="ko-KR" altLang="en-US" smtClean="0"/>
-              <a:t>2019-01-09</a:t>
+              <a:t>2019-01-22</a:t>
             </a:fld>
             <a:endParaRPr lang="ko-KR" altLang="en-US"/>
           </a:p>
@@ -5770,7 +5770,7 @@
           <a:p>
             <a:fld id="{47470330-DF45-4F6A-83A7-D6D3DB6D72A2}" type="datetimeFigureOut">
               <a:rPr lang="ko-KR" altLang="en-US" smtClean="0"/>
-              <a:t>2019-01-09</a:t>
+              <a:t>2019-01-22</a:t>
             </a:fld>
             <a:endParaRPr lang="ko-KR" altLang="en-US"/>
           </a:p>
@@ -5950,7 +5950,7 @@
           <a:p>
             <a:fld id="{47470330-DF45-4F6A-83A7-D6D3DB6D72A2}" type="datetimeFigureOut">
               <a:rPr lang="ko-KR" altLang="en-US" smtClean="0"/>
-              <a:t>2019-01-09</a:t>
+              <a:t>2019-01-22</a:t>
             </a:fld>
             <a:endParaRPr lang="ko-KR" altLang="en-US"/>
           </a:p>
@@ -6120,7 +6120,7 @@
           <a:p>
             <a:fld id="{47470330-DF45-4F6A-83A7-D6D3DB6D72A2}" type="datetimeFigureOut">
               <a:rPr lang="ko-KR" altLang="en-US" smtClean="0"/>
-              <a:t>2019-01-09</a:t>
+              <a:t>2019-01-22</a:t>
             </a:fld>
             <a:endParaRPr lang="ko-KR" altLang="en-US"/>
           </a:p>
@@ -6366,7 +6366,7 @@
           <a:p>
             <a:fld id="{47470330-DF45-4F6A-83A7-D6D3DB6D72A2}" type="datetimeFigureOut">
               <a:rPr lang="ko-KR" altLang="en-US" smtClean="0"/>
-              <a:t>2019-01-09</a:t>
+              <a:t>2019-01-22</a:t>
             </a:fld>
             <a:endParaRPr lang="ko-KR" altLang="en-US"/>
           </a:p>
@@ -6654,7 +6654,7 @@
           <a:p>
             <a:fld id="{47470330-DF45-4F6A-83A7-D6D3DB6D72A2}" type="datetimeFigureOut">
               <a:rPr lang="ko-KR" altLang="en-US" smtClean="0"/>
-              <a:t>2019-01-09</a:t>
+              <a:t>2019-01-22</a:t>
             </a:fld>
             <a:endParaRPr lang="ko-KR" altLang="en-US"/>
           </a:p>
@@ -7076,7 +7076,7 @@
           <a:p>
             <a:fld id="{47470330-DF45-4F6A-83A7-D6D3DB6D72A2}" type="datetimeFigureOut">
               <a:rPr lang="ko-KR" altLang="en-US" smtClean="0"/>
-              <a:t>2019-01-09</a:t>
+              <a:t>2019-01-22</a:t>
             </a:fld>
             <a:endParaRPr lang="ko-KR" altLang="en-US"/>
           </a:p>
@@ -7194,7 +7194,7 @@
           <a:p>
             <a:fld id="{47470330-DF45-4F6A-83A7-D6D3DB6D72A2}" type="datetimeFigureOut">
               <a:rPr lang="ko-KR" altLang="en-US" smtClean="0"/>
-              <a:t>2019-01-09</a:t>
+              <a:t>2019-01-22</a:t>
             </a:fld>
             <a:endParaRPr lang="ko-KR" altLang="en-US"/>
           </a:p>
@@ -7289,7 +7289,7 @@
           <a:p>
             <a:fld id="{47470330-DF45-4F6A-83A7-D6D3DB6D72A2}" type="datetimeFigureOut">
               <a:rPr lang="ko-KR" altLang="en-US" smtClean="0"/>
-              <a:t>2019-01-09</a:t>
+              <a:t>2019-01-22</a:t>
             </a:fld>
             <a:endParaRPr lang="ko-KR" altLang="en-US"/>
           </a:p>
@@ -7566,7 +7566,7 @@
           <a:p>
             <a:fld id="{47470330-DF45-4F6A-83A7-D6D3DB6D72A2}" type="datetimeFigureOut">
               <a:rPr lang="ko-KR" altLang="en-US" smtClean="0"/>
-              <a:t>2019-01-09</a:t>
+              <a:t>2019-01-22</a:t>
             </a:fld>
             <a:endParaRPr lang="ko-KR" altLang="en-US"/>
           </a:p>
@@ -7819,7 +7819,7 @@
           <a:p>
             <a:fld id="{47470330-DF45-4F6A-83A7-D6D3DB6D72A2}" type="datetimeFigureOut">
               <a:rPr lang="ko-KR" altLang="en-US" smtClean="0"/>
-              <a:t>2019-01-09</a:t>
+              <a:t>2019-01-22</a:t>
             </a:fld>
             <a:endParaRPr lang="ko-KR" altLang="en-US"/>
           </a:p>
@@ -8032,7 +8032,7 @@
           <a:p>
             <a:fld id="{47470330-DF45-4F6A-83A7-D6D3DB6D72A2}" type="datetimeFigureOut">
               <a:rPr lang="ko-KR" altLang="en-US" smtClean="0"/>
-              <a:t>2019-01-09</a:t>
+              <a:t>2019-01-22</a:t>
             </a:fld>
             <a:endParaRPr lang="ko-KR" altLang="en-US"/>
           </a:p>
@@ -9737,24 +9737,6 @@
               </a:rPr>
               <a:t>ORE</a:t>
             </a:r>
-            <a:endParaRPr lang="en-US" altLang="ko-KR" dirty="0" smtClean="0">
-              <a:gradFill>
-                <a:gsLst>
-                  <a:gs pos="0">
-                    <a:schemeClr val="tx1"/>
-                  </a:gs>
-                  <a:gs pos="50000">
-                    <a:schemeClr val="tx1"/>
-                  </a:gs>
-                  <a:gs pos="100000">
-                    <a:schemeClr val="tx1"/>
-                  </a:gs>
-                </a:gsLst>
-                <a:lin ang="5400000" scaled="0"/>
-              </a:gradFill>
-              <a:latin typeface="나눔바른펜" panose="020B0503000000000000" pitchFamily="50" charset="-127"/>
-              <a:ea typeface="나눔바른펜" panose="020B0503000000000000" pitchFamily="50" charset="-127"/>
-            </a:endParaRPr>
           </a:p>
         </p:txBody>
       </p:sp>
@@ -10142,24 +10124,6 @@
               </a:rPr>
               <a:t>트</a:t>
             </a:r>
-            <a:endParaRPr lang="ko-KR" altLang="en-US" dirty="0">
-              <a:gradFill>
-                <a:gsLst>
-                  <a:gs pos="0">
-                    <a:schemeClr val="tx1"/>
-                  </a:gs>
-                  <a:gs pos="50000">
-                    <a:schemeClr val="tx1"/>
-                  </a:gs>
-                  <a:gs pos="100000">
-                    <a:schemeClr val="tx1"/>
-                  </a:gs>
-                </a:gsLst>
-                <a:lin ang="5400000" scaled="0"/>
-              </a:gradFill>
-              <a:latin typeface="나눔바른펜" panose="020B0503000000000000" pitchFamily="50" charset="-127"/>
-              <a:ea typeface="나눔바른펜" panose="020B0503000000000000" pitchFamily="50" charset="-127"/>
-            </a:endParaRPr>
           </a:p>
         </p:txBody>
       </p:sp>
@@ -11676,24 +11640,6 @@
               </a:rPr>
               <a:t>ORE</a:t>
             </a:r>
-            <a:endParaRPr lang="en-US" altLang="ko-KR" dirty="0" smtClean="0">
-              <a:gradFill>
-                <a:gsLst>
-                  <a:gs pos="0">
-                    <a:schemeClr val="tx1"/>
-                  </a:gs>
-                  <a:gs pos="50000">
-                    <a:schemeClr val="tx1"/>
-                  </a:gs>
-                  <a:gs pos="100000">
-                    <a:schemeClr val="tx1"/>
-                  </a:gs>
-                </a:gsLst>
-                <a:lin ang="5400000" scaled="0"/>
-              </a:gradFill>
-              <a:latin typeface="나눔바른펜" panose="020B0503000000000000" pitchFamily="50" charset="-127"/>
-              <a:ea typeface="나눔바른펜" panose="020B0503000000000000" pitchFamily="50" charset="-127"/>
-            </a:endParaRPr>
           </a:p>
         </p:txBody>
       </p:sp>
@@ -11979,24 +11925,6 @@
               </a:rPr>
               <a:t>트</a:t>
             </a:r>
-            <a:endParaRPr lang="ko-KR" altLang="en-US" sz="1200" dirty="0">
-              <a:gradFill>
-                <a:gsLst>
-                  <a:gs pos="0">
-                    <a:schemeClr val="tx1"/>
-                  </a:gs>
-                  <a:gs pos="50000">
-                    <a:schemeClr val="tx1"/>
-                  </a:gs>
-                  <a:gs pos="100000">
-                    <a:schemeClr val="tx1"/>
-                  </a:gs>
-                </a:gsLst>
-                <a:lin ang="5400000" scaled="0"/>
-              </a:gradFill>
-              <a:latin typeface="나눔바른펜" panose="020B0503000000000000" pitchFamily="50" charset="-127"/>
-              <a:ea typeface="나눔바른펜" panose="020B0503000000000000" pitchFamily="50" charset="-127"/>
-            </a:endParaRPr>
           </a:p>
         </p:txBody>
       </p:sp>
@@ -12102,24 +12030,6 @@
               </a:rPr>
               <a:t>트</a:t>
             </a:r>
-            <a:endParaRPr lang="ko-KR" altLang="en-US" dirty="0">
-              <a:gradFill>
-                <a:gsLst>
-                  <a:gs pos="0">
-                    <a:schemeClr val="tx1"/>
-                  </a:gs>
-                  <a:gs pos="50000">
-                    <a:schemeClr val="tx1"/>
-                  </a:gs>
-                  <a:gs pos="100000">
-                    <a:schemeClr val="tx1"/>
-                  </a:gs>
-                </a:gsLst>
-                <a:lin ang="5400000" scaled="0"/>
-              </a:gradFill>
-              <a:latin typeface="나눔바른펜" panose="020B0503000000000000" pitchFamily="50" charset="-127"/>
-              <a:ea typeface="나눔바른펜" panose="020B0503000000000000" pitchFamily="50" charset="-127"/>
-            </a:endParaRPr>
           </a:p>
         </p:txBody>
       </p:sp>
@@ -12925,24 +12835,6 @@
               </a:rPr>
               <a:t>ORE</a:t>
             </a:r>
-            <a:endParaRPr lang="en-US" altLang="ko-KR" dirty="0" smtClean="0">
-              <a:gradFill>
-                <a:gsLst>
-                  <a:gs pos="0">
-                    <a:schemeClr val="tx1"/>
-                  </a:gs>
-                  <a:gs pos="50000">
-                    <a:schemeClr val="tx1"/>
-                  </a:gs>
-                  <a:gs pos="100000">
-                    <a:schemeClr val="tx1"/>
-                  </a:gs>
-                </a:gsLst>
-                <a:lin ang="5400000" scaled="0"/>
-              </a:gradFill>
-              <a:latin typeface="나눔바른펜" panose="020B0503000000000000" pitchFamily="50" charset="-127"/>
-              <a:ea typeface="나눔바른펜" panose="020B0503000000000000" pitchFamily="50" charset="-127"/>
-            </a:endParaRPr>
           </a:p>
         </p:txBody>
       </p:sp>
@@ -13130,7 +13022,7 @@
         </p:nvSpPr>
         <p:spPr>
           <a:xfrm>
-            <a:off x="179512" y="44624"/>
+            <a:off x="179512" y="44623"/>
             <a:ext cx="1168910" cy="276999"/>
           </a:xfrm>
           <a:prstGeom prst="rect">
@@ -13330,24 +13222,6 @@
               </a:rPr>
               <a:t>어</a:t>
             </a:r>
-            <a:endParaRPr lang="ko-KR" altLang="en-US" dirty="0">
-              <a:gradFill>
-                <a:gsLst>
-                  <a:gs pos="0">
-                    <a:schemeClr val="tx1"/>
-                  </a:gs>
-                  <a:gs pos="50000">
-                    <a:schemeClr val="tx1"/>
-                  </a:gs>
-                  <a:gs pos="100000">
-                    <a:schemeClr val="tx1"/>
-                  </a:gs>
-                </a:gsLst>
-                <a:lin ang="5400000" scaled="0"/>
-              </a:gradFill>
-              <a:latin typeface="나눔바른펜" panose="020B0503000000000000" pitchFamily="50" charset="-127"/>
-              <a:ea typeface="나눔바른펜" panose="020B0503000000000000" pitchFamily="50" charset="-127"/>
-            </a:endParaRPr>
           </a:p>
         </p:txBody>
       </p:sp>
@@ -14872,24 +14746,6 @@
               </a:rPr>
               <a:t>MORE</a:t>
             </a:r>
-            <a:endParaRPr lang="en-US" altLang="ko-KR" dirty="0" smtClean="0">
-              <a:gradFill>
-                <a:gsLst>
-                  <a:gs pos="0">
-                    <a:schemeClr val="tx1"/>
-                  </a:gs>
-                  <a:gs pos="50000">
-                    <a:schemeClr val="tx1"/>
-                  </a:gs>
-                  <a:gs pos="100000">
-                    <a:schemeClr val="tx1"/>
-                  </a:gs>
-                </a:gsLst>
-                <a:lin ang="5400000" scaled="0"/>
-              </a:gradFill>
-              <a:latin typeface="나눔바른펜" panose="020B0503000000000000" pitchFamily="50" charset="-127"/>
-              <a:ea typeface="나눔바른펜" panose="020B0503000000000000" pitchFamily="50" charset="-127"/>
-            </a:endParaRPr>
           </a:p>
         </p:txBody>
       </p:sp>
@@ -16540,24 +16396,6 @@
               </a:rPr>
               <a:t>MORE</a:t>
             </a:r>
-            <a:endParaRPr lang="en-US" altLang="ko-KR" dirty="0" smtClean="0">
-              <a:gradFill>
-                <a:gsLst>
-                  <a:gs pos="0">
-                    <a:schemeClr val="tx1"/>
-                  </a:gs>
-                  <a:gs pos="50000">
-                    <a:schemeClr val="tx1"/>
-                  </a:gs>
-                  <a:gs pos="100000">
-                    <a:schemeClr val="tx1"/>
-                  </a:gs>
-                </a:gsLst>
-                <a:lin ang="5400000" scaled="0"/>
-              </a:gradFill>
-              <a:latin typeface="나눔바른펜" panose="020B0503000000000000" pitchFamily="50" charset="-127"/>
-              <a:ea typeface="나눔바른펜" panose="020B0503000000000000" pitchFamily="50" charset="-127"/>
-            </a:endParaRPr>
           </a:p>
         </p:txBody>
       </p:sp>
@@ -17343,24 +17181,6 @@
               </a:rPr>
               <a:t>어</a:t>
             </a:r>
-            <a:endParaRPr lang="ko-KR" altLang="en-US" dirty="0">
-              <a:gradFill>
-                <a:gsLst>
-                  <a:gs pos="0">
-                    <a:schemeClr val="tx1"/>
-                  </a:gs>
-                  <a:gs pos="50000">
-                    <a:schemeClr val="tx1"/>
-                  </a:gs>
-                  <a:gs pos="100000">
-                    <a:schemeClr val="tx1"/>
-                  </a:gs>
-                </a:gsLst>
-                <a:lin ang="5400000" scaled="0"/>
-              </a:gradFill>
-              <a:latin typeface="나눔바른펜" panose="020B0503000000000000" pitchFamily="50" charset="-127"/>
-              <a:ea typeface="나눔바른펜" panose="020B0503000000000000" pitchFamily="50" charset="-127"/>
-            </a:endParaRPr>
           </a:p>
         </p:txBody>
       </p:sp>
@@ -17535,24 +17355,6 @@
               </a:rPr>
               <a:t>Q/A</a:t>
             </a:r>
-            <a:endParaRPr lang="en-US" altLang="ko-KR" dirty="0" smtClean="0">
-              <a:gradFill>
-                <a:gsLst>
-                  <a:gs pos="0">
-                    <a:schemeClr val="tx1"/>
-                  </a:gs>
-                  <a:gs pos="50000">
-                    <a:schemeClr val="tx1"/>
-                  </a:gs>
-                  <a:gs pos="100000">
-                    <a:schemeClr val="tx1"/>
-                  </a:gs>
-                </a:gsLst>
-                <a:lin ang="5400000" scaled="0"/>
-              </a:gradFill>
-              <a:latin typeface="나눔바른펜" panose="020B0503000000000000" pitchFamily="50" charset="-127"/>
-              <a:ea typeface="나눔바른펜" panose="020B0503000000000000" pitchFamily="50" charset="-127"/>
-            </a:endParaRPr>
           </a:p>
         </p:txBody>
       </p:sp>
@@ -18915,10 +18717,6 @@
               </a:rPr>
               <a:t>판</a:t>
             </a:r>
-            <a:endParaRPr lang="ko-KR" altLang="en-US" b="1" dirty="0">
-              <a:latin typeface="나눔바른펜" panose="020B0503000000000000" pitchFamily="50" charset="-127"/>
-              <a:ea typeface="나눔바른펜" panose="020B0503000000000000" pitchFamily="50" charset="-127"/>
-            </a:endParaRPr>
           </a:p>
         </p:txBody>
       </p:sp>
@@ -19732,24 +19530,6 @@
               </a:rPr>
               <a:t>ORE</a:t>
             </a:r>
-            <a:endParaRPr lang="en-US" altLang="ko-KR" dirty="0" smtClean="0">
-              <a:gradFill>
-                <a:gsLst>
-                  <a:gs pos="0">
-                    <a:schemeClr val="tx1"/>
-                  </a:gs>
-                  <a:gs pos="50000">
-                    <a:schemeClr val="tx1"/>
-                  </a:gs>
-                  <a:gs pos="100000">
-                    <a:schemeClr val="tx1"/>
-                  </a:gs>
-                </a:gsLst>
-                <a:lin ang="5400000" scaled="0"/>
-              </a:gradFill>
-              <a:latin typeface="나눔바른펜" panose="020B0503000000000000" pitchFamily="50" charset="-127"/>
-              <a:ea typeface="나눔바른펜" panose="020B0503000000000000" pitchFamily="50" charset="-127"/>
-            </a:endParaRPr>
           </a:p>
         </p:txBody>
       </p:sp>
@@ -21709,24 +21489,6 @@
               </a:rPr>
               <a:t>ORE</a:t>
             </a:r>
-            <a:endParaRPr lang="en-US" altLang="ko-KR" dirty="0" smtClean="0">
-              <a:gradFill>
-                <a:gsLst>
-                  <a:gs pos="0">
-                    <a:schemeClr val="tx1"/>
-                  </a:gs>
-                  <a:gs pos="50000">
-                    <a:schemeClr val="tx1"/>
-                  </a:gs>
-                  <a:gs pos="100000">
-                    <a:schemeClr val="tx1"/>
-                  </a:gs>
-                </a:gsLst>
-                <a:lin ang="5400000" scaled="0"/>
-              </a:gradFill>
-              <a:latin typeface="나눔바른펜" panose="020B0503000000000000" pitchFamily="50" charset="-127"/>
-              <a:ea typeface="나눔바른펜" panose="020B0503000000000000" pitchFamily="50" charset="-127"/>
-            </a:endParaRPr>
           </a:p>
         </p:txBody>
       </p:sp>
